--- a/devdoc/img_src/xio_state_diagram.pptx
+++ b/devdoc/img_src/xio_state_diagram.pptx
@@ -109,7 +109,7 @@
   </p:defaultTextStyle>
   <p:extLst>
     <p:ext uri="{EFAFB233-063F-42B5-8137-9DF3F51BA10A}">
-      <p15:sldGuideLst xmlns="" xmlns:p15="http://schemas.microsoft.com/office/powerpoint/2012/main">
+      <p15:sldGuideLst xmlns:p15="http://schemas.microsoft.com/office/powerpoint/2012/main">
         <p15:guide id="1" orient="horz" pos="1584">
           <p15:clr>
             <a:srgbClr val="A4A3A4"/>
@@ -208,7 +208,7 @@
           <a:p>
             <a:fld id="{2371847F-0A10-4AA3-BD19-742881361DEA}" type="datetimeFigureOut">
               <a:rPr lang="en-US" smtClean="0"/>
-              <a:t>6/2/2018</a:t>
+              <a:t>6/18/2018</a:t>
             </a:fld>
             <a:endParaRPr lang="en-US"/>
           </a:p>
@@ -738,7 +738,7 @@
           <a:p>
             <a:fld id="{A1593028-A0CA-48C1-B651-1C34254183FB}" type="datetimeFigureOut">
               <a:rPr lang="en-US" smtClean="0"/>
-              <a:t>6/2/2018</a:t>
+              <a:t>6/18/2018</a:t>
             </a:fld>
             <a:endParaRPr lang="en-US"/>
           </a:p>
@@ -906,7 +906,7 @@
           <a:p>
             <a:fld id="{A1593028-A0CA-48C1-B651-1C34254183FB}" type="datetimeFigureOut">
               <a:rPr lang="en-US" smtClean="0"/>
-              <a:t>6/2/2018</a:t>
+              <a:t>6/18/2018</a:t>
             </a:fld>
             <a:endParaRPr lang="en-US"/>
           </a:p>
@@ -1084,7 +1084,7 @@
           <a:p>
             <a:fld id="{A1593028-A0CA-48C1-B651-1C34254183FB}" type="datetimeFigureOut">
               <a:rPr lang="en-US" smtClean="0"/>
-              <a:t>6/2/2018</a:t>
+              <a:t>6/18/2018</a:t>
             </a:fld>
             <a:endParaRPr lang="en-US"/>
           </a:p>
@@ -1252,7 +1252,7 @@
           <a:p>
             <a:fld id="{A1593028-A0CA-48C1-B651-1C34254183FB}" type="datetimeFigureOut">
               <a:rPr lang="en-US" smtClean="0"/>
-              <a:t>6/2/2018</a:t>
+              <a:t>6/18/2018</a:t>
             </a:fld>
             <a:endParaRPr lang="en-US"/>
           </a:p>
@@ -1497,7 +1497,7 @@
           <a:p>
             <a:fld id="{A1593028-A0CA-48C1-B651-1C34254183FB}" type="datetimeFigureOut">
               <a:rPr lang="en-US" smtClean="0"/>
-              <a:t>6/2/2018</a:t>
+              <a:t>6/18/2018</a:t>
             </a:fld>
             <a:endParaRPr lang="en-US"/>
           </a:p>
@@ -1782,7 +1782,7 @@
           <a:p>
             <a:fld id="{A1593028-A0CA-48C1-B651-1C34254183FB}" type="datetimeFigureOut">
               <a:rPr lang="en-US" smtClean="0"/>
-              <a:t>6/2/2018</a:t>
+              <a:t>6/18/2018</a:t>
             </a:fld>
             <a:endParaRPr lang="en-US"/>
           </a:p>
@@ -2206,7 +2206,7 @@
           <a:p>
             <a:fld id="{A1593028-A0CA-48C1-B651-1C34254183FB}" type="datetimeFigureOut">
               <a:rPr lang="en-US" smtClean="0"/>
-              <a:t>6/2/2018</a:t>
+              <a:t>6/18/2018</a:t>
             </a:fld>
             <a:endParaRPr lang="en-US"/>
           </a:p>
@@ -2323,7 +2323,7 @@
           <a:p>
             <a:fld id="{A1593028-A0CA-48C1-B651-1C34254183FB}" type="datetimeFigureOut">
               <a:rPr lang="en-US" smtClean="0"/>
-              <a:t>6/2/2018</a:t>
+              <a:t>6/18/2018</a:t>
             </a:fld>
             <a:endParaRPr lang="en-US"/>
           </a:p>
@@ -2418,7 +2418,7 @@
           <a:p>
             <a:fld id="{A1593028-A0CA-48C1-B651-1C34254183FB}" type="datetimeFigureOut">
               <a:rPr lang="en-US" smtClean="0"/>
-              <a:t>6/2/2018</a:t>
+              <a:t>6/18/2018</a:t>
             </a:fld>
             <a:endParaRPr lang="en-US"/>
           </a:p>
@@ -2693,7 +2693,7 @@
           <a:p>
             <a:fld id="{A1593028-A0CA-48C1-B651-1C34254183FB}" type="datetimeFigureOut">
               <a:rPr lang="en-US" smtClean="0"/>
-              <a:t>6/2/2018</a:t>
+              <a:t>6/18/2018</a:t>
             </a:fld>
             <a:endParaRPr lang="en-US"/>
           </a:p>
@@ -2945,7 +2945,7 @@
           <a:p>
             <a:fld id="{A1593028-A0CA-48C1-B651-1C34254183FB}" type="datetimeFigureOut">
               <a:rPr lang="en-US" smtClean="0"/>
-              <a:t>6/2/2018</a:t>
+              <a:t>6/18/2018</a:t>
             </a:fld>
             <a:endParaRPr lang="en-US"/>
           </a:p>
@@ -3156,7 +3156,7 @@
           <a:p>
             <a:fld id="{A1593028-A0CA-48C1-B651-1C34254183FB}" type="datetimeFigureOut">
               <a:rPr lang="en-US" smtClean="0"/>
-              <a:t>6/2/2018</a:t>
+              <a:t>6/18/2018</a:t>
             </a:fld>
             <a:endParaRPr lang="en-US"/>
           </a:p>
@@ -5138,7 +5138,7 @@
           <p:cNvPr id="47" name="TextBox 46">
             <a:extLst>
               <a:ext uri="{FF2B5EF4-FFF2-40B4-BE49-F238E27FC236}">
-                <a16:creationId xmlns="" xmlns:a16="http://schemas.microsoft.com/office/drawing/2014/main" id="{3E8DEF50-9897-4276-AA81-1934540EBFF8}"/>
+                <a16:creationId xmlns:a16="http://schemas.microsoft.com/office/drawing/2014/main" id="{3E8DEF50-9897-4276-AA81-1934540EBFF8}"/>
               </a:ext>
             </a:extLst>
           </p:cNvPr>
@@ -5147,8 +5147,8 @@
         </p:nvSpPr>
         <p:spPr>
           <a:xfrm>
-            <a:off x="5324848" y="4662101"/>
-            <a:ext cx="1913985" cy="138499"/>
+            <a:off x="5248648" y="4662101"/>
+            <a:ext cx="2010166" cy="138499"/>
           </a:xfrm>
           <a:prstGeom prst="rect">
             <a:avLst/>
@@ -5162,20 +5162,12 @@
           <a:lstStyle/>
           <a:p>
             <a:r>
-              <a:rPr lang="en-US" sz="900" dirty="0" err="1" smtClean="0"/>
-              <a:t>xio_filter</a:t>
-            </a:r>
-            <a:r>
-              <a:rPr lang="en-US" sz="900" dirty="0" err="1" smtClean="0"/>
-              <a:t>s</a:t>
-            </a:r>
-            <a:r>
-              <a:rPr lang="en-US" sz="900" dirty="0" smtClean="0"/>
-              <a:t> </a:t>
+              <a:rPr lang="en-US" sz="900" dirty="0" err="1"/>
+              <a:t>xio_adapters</a:t>
             </a:r>
             <a:r>
               <a:rPr lang="en-US" sz="900" dirty="0"/>
-              <a:t>with asynchronous close only</a:t>
+              <a:t> with asynchronous close only</a:t>
             </a:r>
           </a:p>
         </p:txBody>
@@ -5185,7 +5177,7 @@
           <p:cNvPr id="49" name="TextBox 48">
             <a:extLst>
               <a:ext uri="{FF2B5EF4-FFF2-40B4-BE49-F238E27FC236}">
-                <a16:creationId xmlns="" xmlns:a16="http://schemas.microsoft.com/office/drawing/2014/main" id="{AA357D26-5DA7-4B62-8FDB-2FCB2DBA8736}"/>
+                <a16:creationId xmlns:a16="http://schemas.microsoft.com/office/drawing/2014/main" id="{AA357D26-5DA7-4B62-8FDB-2FCB2DBA8736}"/>
               </a:ext>
             </a:extLst>
           </p:cNvPr>
@@ -5194,7 +5186,7 @@
         </p:nvSpPr>
         <p:spPr>
           <a:xfrm>
-            <a:off x="5324848" y="4447402"/>
+            <a:off x="5248648" y="4447402"/>
             <a:ext cx="1941846" cy="138499"/>
           </a:xfrm>
           <a:prstGeom prst="rect">
@@ -5209,20 +5201,12 @@
           <a:lstStyle/>
           <a:p>
             <a:r>
-              <a:rPr lang="en-US" sz="900" dirty="0" err="1" smtClean="0"/>
-              <a:t>xio_filter</a:t>
-            </a:r>
-            <a:r>
-              <a:rPr lang="en-US" sz="900" dirty="0" err="1" smtClean="0"/>
-              <a:t>s</a:t>
-            </a:r>
-            <a:r>
-              <a:rPr lang="en-US" sz="900" dirty="0" smtClean="0"/>
-              <a:t> </a:t>
+              <a:rPr lang="en-US" sz="900" dirty="0" err="1"/>
+              <a:t>xio_adapters</a:t>
             </a:r>
             <a:r>
               <a:rPr lang="en-US" sz="900" dirty="0"/>
-              <a:t>with synchronous close only</a:t>
+              <a:t> with synchronous close only</a:t>
             </a:r>
           </a:p>
         </p:txBody>
@@ -5232,7 +5216,7 @@
           <p:cNvPr id="50" name="TextBox 49">
             <a:extLst>
               <a:ext uri="{FF2B5EF4-FFF2-40B4-BE49-F238E27FC236}">
-                <a16:creationId xmlns="" xmlns:a16="http://schemas.microsoft.com/office/drawing/2014/main" id="{A3FA0DAD-7800-46AC-BF12-449184D142BF}"/>
+                <a16:creationId xmlns:a16="http://schemas.microsoft.com/office/drawing/2014/main" id="{A3FA0DAD-7800-46AC-BF12-449184D142BF}"/>
               </a:ext>
             </a:extLst>
           </p:cNvPr>
@@ -5241,7 +5225,7 @@
         </p:nvSpPr>
         <p:spPr>
           <a:xfrm>
-            <a:off x="5185465" y="4416623"/>
+            <a:off x="5109265" y="4416623"/>
             <a:ext cx="139383" cy="307777"/>
           </a:xfrm>
           <a:prstGeom prst="rect">
@@ -5267,7 +5251,7 @@
           <p:cNvPr id="51" name="TextBox 50">
             <a:extLst>
               <a:ext uri="{FF2B5EF4-FFF2-40B4-BE49-F238E27FC236}">
-                <a16:creationId xmlns="" xmlns:a16="http://schemas.microsoft.com/office/drawing/2014/main" id="{1566FFC7-0B77-4106-B035-DA45717A71C0}"/>
+                <a16:creationId xmlns:a16="http://schemas.microsoft.com/office/drawing/2014/main" id="{1566FFC7-0B77-4106-B035-DA45717A71C0}"/>
               </a:ext>
             </a:extLst>
           </p:cNvPr>
@@ -5276,7 +5260,7 @@
         </p:nvSpPr>
         <p:spPr>
           <a:xfrm>
-            <a:off x="5029200" y="4643051"/>
+            <a:off x="4953000" y="4643051"/>
             <a:ext cx="295648" cy="307777"/>
           </a:xfrm>
           <a:prstGeom prst="rect">
@@ -5302,7 +5286,7 @@
           <p:cNvPr id="52" name="TextBox 51">
             <a:extLst>
               <a:ext uri="{FF2B5EF4-FFF2-40B4-BE49-F238E27FC236}">
-                <a16:creationId xmlns="" xmlns:a16="http://schemas.microsoft.com/office/drawing/2014/main" id="{2BD486B5-FAA3-434C-8F5E-1D730E4507B0}"/>
+                <a16:creationId xmlns:a16="http://schemas.microsoft.com/office/drawing/2014/main" id="{2BD486B5-FAA3-434C-8F5E-1D730E4507B0}"/>
               </a:ext>
             </a:extLst>
           </p:cNvPr>
@@ -5337,7 +5321,7 @@
           <p:cNvPr id="53" name="TextBox 52">
             <a:extLst>
               <a:ext uri="{FF2B5EF4-FFF2-40B4-BE49-F238E27FC236}">
-                <a16:creationId xmlns="" xmlns:a16="http://schemas.microsoft.com/office/drawing/2014/main" id="{5CB974B7-080C-4FDC-803C-93D6E894B9C5}"/>
+                <a16:creationId xmlns:a16="http://schemas.microsoft.com/office/drawing/2014/main" id="{5CB974B7-080C-4FDC-803C-93D6E894B9C5}"/>
               </a:ext>
             </a:extLst>
           </p:cNvPr>
@@ -5372,7 +5356,7 @@
           <p:cNvPr id="57" name="Straight Arrow Connector 56">
             <a:extLst>
               <a:ext uri="{FF2B5EF4-FFF2-40B4-BE49-F238E27FC236}">
-                <a16:creationId xmlns="" xmlns:a16="http://schemas.microsoft.com/office/drawing/2014/main" id="{EE480A61-FD11-4549-9FA9-9F35241365F4}"/>
+                <a16:creationId xmlns:a16="http://schemas.microsoft.com/office/drawing/2014/main" id="{EE480A61-FD11-4549-9FA9-9F35241365F4}"/>
               </a:ext>
             </a:extLst>
           </p:cNvPr>
@@ -5412,7 +5396,7 @@
           <p:cNvPr id="58" name="TextBox 57">
             <a:extLst>
               <a:ext uri="{FF2B5EF4-FFF2-40B4-BE49-F238E27FC236}">
-                <a16:creationId xmlns="" xmlns:a16="http://schemas.microsoft.com/office/drawing/2014/main" id="{6A5DCA84-5C88-4008-A0CD-62740268773C}"/>
+                <a16:creationId xmlns:a16="http://schemas.microsoft.com/office/drawing/2014/main" id="{6A5DCA84-5C88-4008-A0CD-62740268773C}"/>
               </a:ext>
             </a:extLst>
           </p:cNvPr>
@@ -5447,7 +5431,7 @@
           <p:cNvPr id="59" name="Straight Arrow Connector 58">
             <a:extLst>
               <a:ext uri="{FF2B5EF4-FFF2-40B4-BE49-F238E27FC236}">
-                <a16:creationId xmlns="" xmlns:a16="http://schemas.microsoft.com/office/drawing/2014/main" id="{CA19B456-3A3F-4211-AF19-B8A752EA9B89}"/>
+                <a16:creationId xmlns:a16="http://schemas.microsoft.com/office/drawing/2014/main" id="{CA19B456-3A3F-4211-AF19-B8A752EA9B89}"/>
               </a:ext>
             </a:extLst>
           </p:cNvPr>
@@ -5489,7 +5473,7 @@
           <p:cNvPr id="61" name="TextBox 60">
             <a:extLst>
               <a:ext uri="{FF2B5EF4-FFF2-40B4-BE49-F238E27FC236}">
-                <a16:creationId xmlns="" xmlns:a16="http://schemas.microsoft.com/office/drawing/2014/main" id="{8C073424-3858-450B-8F40-6E759E117C8D}"/>
+                <a16:creationId xmlns:a16="http://schemas.microsoft.com/office/drawing/2014/main" id="{8C073424-3858-450B-8F40-6E759E117C8D}"/>
               </a:ext>
             </a:extLst>
           </p:cNvPr>
@@ -5556,7 +5540,7 @@
           <a:p>
             <a:pPr algn="ctr"/>
             <a:r>
-              <a:rPr lang="en-US" dirty="0" smtClean="0"/>
+              <a:rPr lang="en-US" dirty="0"/>
               <a:t>Initial</a:t>
             </a:r>
             <a:endParaRPr lang="en-US" sz="1400" dirty="0"/>
@@ -6150,7 +6134,7 @@
   <a:extraClrSchemeLst/>
   <a:extLst>
     <a:ext uri="{05A4C25C-085E-4340-85A3-A5531E510DB2}">
-      <thm15:themeFamily xmlns="" xmlns:thm15="http://schemas.microsoft.com/office/thememl/2012/main" name="Office Theme" id="{62F939B6-93AF-4DB8-9C6B-D6C7DFDC589F}" vid="{4A3C46E8-61CC-4603-A589-7422A47A8E4A}"/>
+      <thm15:themeFamily xmlns:thm15="http://schemas.microsoft.com/office/thememl/2012/main" name="Office Theme" id="{62F939B6-93AF-4DB8-9C6B-D6C7DFDC589F}" vid="{4A3C46E8-61CC-4603-A589-7422A47A8E4A}"/>
     </a:ext>
   </a:extLst>
 </a:theme>
